--- a/katas/fizzbuzz/01_challenge.pptx
+++ b/katas/fizzbuzz/01_challenge.pptx
@@ -4499,7 +4499,7 @@
                   <a:schemeClr val="accent1"/>
                 </a:solidFill>
               </a:rPr>
-              <a:t>FiizBuzz</a:t>
+              <a:t>FizzBuzz</a:t>
             </a:r>
             <a:r>
               <a:rPr lang="de-CH" sz="3600" dirty="0"/>
